--- a/LogisticRegression/Logistic Regression.pptx
+++ b/LogisticRegression/Logistic Regression.pptx
@@ -5,7 +5,7 @@
     <p:sldMasterId id="2147483659" r:id="rId1"/>
   </p:sldMasterIdLst>
   <p:notesMasterIdLst>
-    <p:notesMasterId r:id="rId12"/>
+    <p:notesMasterId r:id="rId13"/>
   </p:notesMasterIdLst>
   <p:sldIdLst>
     <p:sldId id="256" r:id="rId2"/>
@@ -17,7 +17,8 @@
     <p:sldId id="263" r:id="rId8"/>
     <p:sldId id="262" r:id="rId9"/>
     <p:sldId id="264" r:id="rId10"/>
-    <p:sldId id="265" r:id="rId11"/>
+    <p:sldId id="266" r:id="rId11"/>
+    <p:sldId id="265" r:id="rId12"/>
   </p:sldIdLst>
   <p:sldSz cx="9144000" cy="5143500" type="screen16x9"/>
   <p:notesSz cx="6858000" cy="9144000"/>
@@ -252,7 +253,7 @@
   </p:defaultTextStyle>
   <p:extLst>
     <p:ext uri="{EFAFB233-063F-42B5-8137-9DF3F51BA10A}">
-      <p15:sldGuideLst xmlns:p15="http://schemas.microsoft.com/office/powerpoint/2012/main">
+      <p15:sldGuideLst xmlns:p15="http://schemas.microsoft.com/office/powerpoint/2012/main" xmlns="">
         <p15:guide id="1" orient="horz" pos="1620">
           <p15:clr>
             <a:srgbClr val="A4A3A4"/>
@@ -6906,6 +6907,97 @@
   <p:cSld>
     <p:spTree>
       <p:nvGrpSpPr>
+        <p:cNvPr id="1" name=""/>
+        <p:cNvGrpSpPr/>
+        <p:nvPr/>
+      </p:nvGrpSpPr>
+      <p:grpSpPr>
+        <a:xfrm>
+          <a:off x="0" y="0"/>
+          <a:ext cx="0" cy="0"/>
+          <a:chOff x="0" y="0"/>
+          <a:chExt cx="0" cy="0"/>
+        </a:xfrm>
+      </p:grpSpPr>
+      <p:pic>
+        <p:nvPicPr>
+          <p:cNvPr id="1026" name="Picture 2"/>
+          <p:cNvPicPr>
+            <a:picLocks noChangeAspect="1" noChangeArrowheads="1"/>
+          </p:cNvPicPr>
+          <p:nvPr/>
+        </p:nvPicPr>
+        <p:blipFill>
+          <a:blip r:embed="rId2"/>
+          <a:srcRect/>
+          <a:stretch>
+            <a:fillRect/>
+          </a:stretch>
+        </p:blipFill>
+        <p:spPr bwMode="auto">
+          <a:xfrm>
+            <a:off x="620111" y="196740"/>
+            <a:ext cx="7451834" cy="1358791"/>
+          </a:xfrm>
+          <a:prstGeom prst="rect">
+            <a:avLst/>
+          </a:prstGeom>
+          <a:noFill/>
+          <a:ln w="9525">
+            <a:noFill/>
+            <a:miter lim="800000"/>
+            <a:headEnd/>
+            <a:tailEnd/>
+          </a:ln>
+          <a:effectLst/>
+        </p:spPr>
+      </p:pic>
+      <p:pic>
+        <p:nvPicPr>
+          <p:cNvPr id="1027" name="Picture 3"/>
+          <p:cNvPicPr>
+            <a:picLocks noChangeAspect="1" noChangeArrowheads="1"/>
+          </p:cNvPicPr>
+          <p:nvPr/>
+        </p:nvPicPr>
+        <p:blipFill>
+          <a:blip r:embed="rId3"/>
+          <a:srcRect/>
+          <a:stretch>
+            <a:fillRect/>
+          </a:stretch>
+        </p:blipFill>
+        <p:spPr bwMode="auto">
+          <a:xfrm>
+            <a:off x="620112" y="1639614"/>
+            <a:ext cx="7483366" cy="3237186"/>
+          </a:xfrm>
+          <a:prstGeom prst="rect">
+            <a:avLst/>
+          </a:prstGeom>
+          <a:noFill/>
+          <a:ln w="9525">
+            <a:noFill/>
+            <a:miter lim="800000"/>
+            <a:headEnd/>
+            <a:tailEnd/>
+          </a:ln>
+          <a:effectLst/>
+        </p:spPr>
+      </p:pic>
+    </p:spTree>
+  </p:cSld>
+  <p:clrMapOvr>
+    <a:masterClrMapping/>
+  </p:clrMapOvr>
+</p:sld>
+</file>
+
+<file path=ppt/slides/slide11.xml><?xml version="1.0" encoding="utf-8"?>
+<p:sld xmlns:a="http://schemas.openxmlformats.org/drawingml/2006/main" xmlns:r="http://schemas.openxmlformats.org/officeDocument/2006/relationships" xmlns:p="http://schemas.openxmlformats.org/presentationml/2006/main">
+  <p:cSld>
+    <p:spTree>
+      <p:nvGrpSpPr>
         <p:cNvPr id="1" name="Shape 111"/>
         <p:cNvGrpSpPr/>
         <p:nvPr/>
@@ -7271,7 +7363,7 @@
           <p:cNvPr id="2" name="TextBox 1">
             <a:extLst>
               <a:ext uri="{FF2B5EF4-FFF2-40B4-BE49-F238E27FC236}">
-                <a16:creationId xmlns:a16="http://schemas.microsoft.com/office/drawing/2014/main" id="{6967E484-CC51-4857-B80C-275876BCCCAE}"/>
+                <a16:creationId xmlns:a16="http://schemas.microsoft.com/office/drawing/2014/main" xmlns="" id="{6967E484-CC51-4857-B80C-275876BCCCAE}"/>
               </a:ext>
             </a:extLst>
           </p:cNvPr>
@@ -7315,7 +7407,7 @@
           <p:cNvPr id="3" name="TextBox 2">
             <a:extLst>
               <a:ext uri="{FF2B5EF4-FFF2-40B4-BE49-F238E27FC236}">
-                <a16:creationId xmlns:a16="http://schemas.microsoft.com/office/drawing/2014/main" id="{EEEA0AF3-DE98-4370-90A7-1E0563E80573}"/>
+                <a16:creationId xmlns:a16="http://schemas.microsoft.com/office/drawing/2014/main" xmlns="" id="{EEEA0AF3-DE98-4370-90A7-1E0563E80573}"/>
               </a:ext>
             </a:extLst>
           </p:cNvPr>
@@ -7355,7 +7447,7 @@
           <p:cNvPr id="4" name="TextBox 3">
             <a:extLst>
               <a:ext uri="{FF2B5EF4-FFF2-40B4-BE49-F238E27FC236}">
-                <a16:creationId xmlns:a16="http://schemas.microsoft.com/office/drawing/2014/main" id="{A984CFF7-F941-4599-B7EC-4788EA3B4AB2}"/>
+                <a16:creationId xmlns:a16="http://schemas.microsoft.com/office/drawing/2014/main" xmlns="" id="{A984CFF7-F941-4599-B7EC-4788EA3B4AB2}"/>
               </a:ext>
             </a:extLst>
           </p:cNvPr>
@@ -7468,7 +7560,7 @@
           <p:nvPr>
             <p:extLst>
               <p:ext uri="{D42A27DB-BD31-4B8C-83A1-F6EECF244321}">
-                <p14:modId xmlns:p14="http://schemas.microsoft.com/office/powerpoint/2010/main" val="2709384946"/>
+                <p14:modId xmlns:p14="http://schemas.microsoft.com/office/powerpoint/2010/main" xmlns="" val="2709384946"/>
               </p:ext>
             </p:extLst>
           </p:nvPr>
@@ -7488,28 +7580,28 @@
                 <a:gridCol w="1036725">
                   <a:extLst>
                     <a:ext uri="{9D8B030D-6E8A-4147-A177-3AD203B41FA5}">
-                      <a16:colId xmlns:a16="http://schemas.microsoft.com/office/drawing/2014/main" val="20000"/>
+                      <a16:colId xmlns:a16="http://schemas.microsoft.com/office/drawing/2014/main" xmlns="" val="20000"/>
                     </a:ext>
                   </a:extLst>
                 </a:gridCol>
                 <a:gridCol w="1036725">
                   <a:extLst>
                     <a:ext uri="{9D8B030D-6E8A-4147-A177-3AD203B41FA5}">
-                      <a16:colId xmlns:a16="http://schemas.microsoft.com/office/drawing/2014/main" val="20001"/>
+                      <a16:colId xmlns:a16="http://schemas.microsoft.com/office/drawing/2014/main" xmlns="" val="20001"/>
                     </a:ext>
                   </a:extLst>
                 </a:gridCol>
                 <a:gridCol w="1101850">
                   <a:extLst>
                     <a:ext uri="{9D8B030D-6E8A-4147-A177-3AD203B41FA5}">
-                      <a16:colId xmlns:a16="http://schemas.microsoft.com/office/drawing/2014/main" val="20002"/>
+                      <a16:colId xmlns:a16="http://schemas.microsoft.com/office/drawing/2014/main" xmlns="" val="20002"/>
                     </a:ext>
                   </a:extLst>
                 </a:gridCol>
                 <a:gridCol w="1062775">
                   <a:extLst>
                     <a:ext uri="{9D8B030D-6E8A-4147-A177-3AD203B41FA5}">
-                      <a16:colId xmlns:a16="http://schemas.microsoft.com/office/drawing/2014/main" val="20003"/>
+                      <a16:colId xmlns:a16="http://schemas.microsoft.com/office/drawing/2014/main" xmlns="" val="20003"/>
                     </a:ext>
                   </a:extLst>
                 </a:gridCol>
@@ -7591,7 +7683,7 @@
                 </a:tc>
                 <a:extLst>
                   <a:ext uri="{0D108BD9-81ED-4DB2-BD59-A6C34878D82A}">
-                    <a16:rowId xmlns:a16="http://schemas.microsoft.com/office/drawing/2014/main" val="10000"/>
+                    <a16:rowId xmlns:a16="http://schemas.microsoft.com/office/drawing/2014/main" xmlns="" val="10000"/>
                   </a:ext>
                 </a:extLst>
               </a:tr>
@@ -7680,7 +7772,7 @@
                 </a:tc>
                 <a:extLst>
                   <a:ext uri="{0D108BD9-81ED-4DB2-BD59-A6C34878D82A}">
-                    <a16:rowId xmlns:a16="http://schemas.microsoft.com/office/drawing/2014/main" val="10001"/>
+                    <a16:rowId xmlns:a16="http://schemas.microsoft.com/office/drawing/2014/main" xmlns="" val="10001"/>
                   </a:ext>
                 </a:extLst>
               </a:tr>
@@ -7807,7 +7899,7 @@
                 </a:tc>
                 <a:extLst>
                   <a:ext uri="{0D108BD9-81ED-4DB2-BD59-A6C34878D82A}">
-                    <a16:rowId xmlns:a16="http://schemas.microsoft.com/office/drawing/2014/main" val="10002"/>
+                    <a16:rowId xmlns:a16="http://schemas.microsoft.com/office/drawing/2014/main" xmlns="" val="10002"/>
                   </a:ext>
                 </a:extLst>
               </a:tr>
@@ -7917,7 +8009,7 @@
                 </a:tc>
                 <a:extLst>
                   <a:ext uri="{0D108BD9-81ED-4DB2-BD59-A6C34878D82A}">
-                    <a16:rowId xmlns:a16="http://schemas.microsoft.com/office/drawing/2014/main" val="10003"/>
+                    <a16:rowId xmlns:a16="http://schemas.microsoft.com/office/drawing/2014/main" xmlns="" val="10003"/>
                   </a:ext>
                 </a:extLst>
               </a:tr>
@@ -7930,7 +8022,7 @@
           <p:cNvPr id="3" name="Arrow: Right 2">
             <a:extLst>
               <a:ext uri="{FF2B5EF4-FFF2-40B4-BE49-F238E27FC236}">
-                <a16:creationId xmlns:a16="http://schemas.microsoft.com/office/drawing/2014/main" id="{E637A01D-703B-4C28-B60A-539E08FED11E}"/>
+                <a16:creationId xmlns:a16="http://schemas.microsoft.com/office/drawing/2014/main" xmlns="" id="{E637A01D-703B-4C28-B60A-539E08FED11E}"/>
               </a:ext>
             </a:extLst>
           </p:cNvPr>
@@ -7976,7 +8068,7 @@
           <p:cNvPr id="6" name="TextBox 5">
             <a:extLst>
               <a:ext uri="{FF2B5EF4-FFF2-40B4-BE49-F238E27FC236}">
-                <a16:creationId xmlns:a16="http://schemas.microsoft.com/office/drawing/2014/main" id="{2316D9B6-EB35-4E78-BB47-A180181EB1C2}"/>
+                <a16:creationId xmlns:a16="http://schemas.microsoft.com/office/drawing/2014/main" xmlns="" id="{2316D9B6-EB35-4E78-BB47-A180181EB1C2}"/>
               </a:ext>
             </a:extLst>
           </p:cNvPr>
@@ -8044,7 +8136,7 @@
           <p:cNvPr id="7" name="Arrow: Down 6">
             <a:extLst>
               <a:ext uri="{FF2B5EF4-FFF2-40B4-BE49-F238E27FC236}">
-                <a16:creationId xmlns:a16="http://schemas.microsoft.com/office/drawing/2014/main" id="{939F564A-B6A0-4D17-A5BD-8A299E8C9F90}"/>
+                <a16:creationId xmlns:a16="http://schemas.microsoft.com/office/drawing/2014/main" xmlns="" id="{939F564A-B6A0-4D17-A5BD-8A299E8C9F90}"/>
               </a:ext>
             </a:extLst>
           </p:cNvPr>
@@ -8098,7 +8190,7 @@
           <p:cNvPr id="8" name="TextBox 7">
             <a:extLst>
               <a:ext uri="{FF2B5EF4-FFF2-40B4-BE49-F238E27FC236}">
-                <a16:creationId xmlns:a16="http://schemas.microsoft.com/office/drawing/2014/main" id="{A851567E-1E8C-48B9-8913-223F1C8FA4B6}"/>
+                <a16:creationId xmlns:a16="http://schemas.microsoft.com/office/drawing/2014/main" xmlns="" id="{A851567E-1E8C-48B9-8913-223F1C8FA4B6}"/>
               </a:ext>
             </a:extLst>
           </p:cNvPr>
@@ -8476,7 +8568,7 @@
           <p:nvPr>
             <p:extLst>
               <p:ext uri="{D42A27DB-BD31-4B8C-83A1-F6EECF244321}">
-                <p14:modId xmlns:p14="http://schemas.microsoft.com/office/powerpoint/2010/main" val="4172453213"/>
+                <p14:modId xmlns:p14="http://schemas.microsoft.com/office/powerpoint/2010/main" xmlns="" val="4172453213"/>
               </p:ext>
             </p:extLst>
           </p:nvPr>
@@ -8496,28 +8588,28 @@
                 <a:gridCol w="997610">
                   <a:extLst>
                     <a:ext uri="{9D8B030D-6E8A-4147-A177-3AD203B41FA5}">
-                      <a16:colId xmlns:a16="http://schemas.microsoft.com/office/drawing/2014/main" val="20000"/>
+                      <a16:colId xmlns:a16="http://schemas.microsoft.com/office/drawing/2014/main" xmlns="" val="20000"/>
                     </a:ext>
                   </a:extLst>
                 </a:gridCol>
                 <a:gridCol w="997610">
                   <a:extLst>
                     <a:ext uri="{9D8B030D-6E8A-4147-A177-3AD203B41FA5}">
-                      <a16:colId xmlns:a16="http://schemas.microsoft.com/office/drawing/2014/main" val="20001"/>
+                      <a16:colId xmlns:a16="http://schemas.microsoft.com/office/drawing/2014/main" xmlns="" val="20001"/>
                     </a:ext>
                   </a:extLst>
                 </a:gridCol>
                 <a:gridCol w="997610">
                   <a:extLst>
                     <a:ext uri="{9D8B030D-6E8A-4147-A177-3AD203B41FA5}">
-                      <a16:colId xmlns:a16="http://schemas.microsoft.com/office/drawing/2014/main" val="20002"/>
+                      <a16:colId xmlns:a16="http://schemas.microsoft.com/office/drawing/2014/main" xmlns="" val="20002"/>
                     </a:ext>
                   </a:extLst>
                 </a:gridCol>
                 <a:gridCol w="997610">
                   <a:extLst>
                     <a:ext uri="{9D8B030D-6E8A-4147-A177-3AD203B41FA5}">
-                      <a16:colId xmlns:a16="http://schemas.microsoft.com/office/drawing/2014/main" val="20003"/>
+                      <a16:colId xmlns:a16="http://schemas.microsoft.com/office/drawing/2014/main" xmlns="" val="20003"/>
                     </a:ext>
                   </a:extLst>
                 </a:gridCol>
@@ -8626,7 +8718,7 @@
                 </a:tc>
                 <a:extLst>
                   <a:ext uri="{0D108BD9-81ED-4DB2-BD59-A6C34878D82A}">
-                    <a16:rowId xmlns:a16="http://schemas.microsoft.com/office/drawing/2014/main" val="10000"/>
+                    <a16:rowId xmlns:a16="http://schemas.microsoft.com/office/drawing/2014/main" xmlns="" val="10000"/>
                   </a:ext>
                 </a:extLst>
               </a:tr>
@@ -8715,7 +8807,7 @@
                 </a:tc>
                 <a:extLst>
                   <a:ext uri="{0D108BD9-81ED-4DB2-BD59-A6C34878D82A}">
-                    <a16:rowId xmlns:a16="http://schemas.microsoft.com/office/drawing/2014/main" val="10001"/>
+                    <a16:rowId xmlns:a16="http://schemas.microsoft.com/office/drawing/2014/main" xmlns="" val="10001"/>
                   </a:ext>
                 </a:extLst>
               </a:tr>
@@ -8842,7 +8934,7 @@
                 </a:tc>
                 <a:extLst>
                   <a:ext uri="{0D108BD9-81ED-4DB2-BD59-A6C34878D82A}">
-                    <a16:rowId xmlns:a16="http://schemas.microsoft.com/office/drawing/2014/main" val="10002"/>
+                    <a16:rowId xmlns:a16="http://schemas.microsoft.com/office/drawing/2014/main" xmlns="" val="10002"/>
                   </a:ext>
                 </a:extLst>
               </a:tr>
@@ -8952,7 +9044,7 @@
                 </a:tc>
                 <a:extLst>
                   <a:ext uri="{0D108BD9-81ED-4DB2-BD59-A6C34878D82A}">
-                    <a16:rowId xmlns:a16="http://schemas.microsoft.com/office/drawing/2014/main" val="10003"/>
+                    <a16:rowId xmlns:a16="http://schemas.microsoft.com/office/drawing/2014/main" xmlns="" val="10003"/>
                   </a:ext>
                 </a:extLst>
               </a:tr>
@@ -9084,7 +9176,7 @@
                 </a:tc>
                 <a:extLst>
                   <a:ext uri="{0D108BD9-81ED-4DB2-BD59-A6C34878D82A}">
-                    <a16:rowId xmlns:a16="http://schemas.microsoft.com/office/drawing/2014/main" val="10004"/>
+                    <a16:rowId xmlns:a16="http://schemas.microsoft.com/office/drawing/2014/main" xmlns="" val="10004"/>
                   </a:ext>
                 </a:extLst>
               </a:tr>
@@ -9099,7 +9191,7 @@
           <p:nvPr>
             <p:extLst>
               <p:ext uri="{D42A27DB-BD31-4B8C-83A1-F6EECF244321}">
-                <p14:modId xmlns:p14="http://schemas.microsoft.com/office/powerpoint/2010/main" val="1887229933"/>
+                <p14:modId xmlns:p14="http://schemas.microsoft.com/office/powerpoint/2010/main" xmlns="" val="1887229933"/>
               </p:ext>
             </p:extLst>
           </p:nvPr>
@@ -9119,28 +9211,28 @@
                 <a:gridCol w="997610">
                   <a:extLst>
                     <a:ext uri="{9D8B030D-6E8A-4147-A177-3AD203B41FA5}">
-                      <a16:colId xmlns:a16="http://schemas.microsoft.com/office/drawing/2014/main" val="20000"/>
+                      <a16:colId xmlns:a16="http://schemas.microsoft.com/office/drawing/2014/main" xmlns="" val="20000"/>
                     </a:ext>
                   </a:extLst>
                 </a:gridCol>
                 <a:gridCol w="997610">
                   <a:extLst>
                     <a:ext uri="{9D8B030D-6E8A-4147-A177-3AD203B41FA5}">
-                      <a16:colId xmlns:a16="http://schemas.microsoft.com/office/drawing/2014/main" val="20001"/>
+                      <a16:colId xmlns:a16="http://schemas.microsoft.com/office/drawing/2014/main" xmlns="" val="20001"/>
                     </a:ext>
                   </a:extLst>
                 </a:gridCol>
                 <a:gridCol w="997610">
                   <a:extLst>
                     <a:ext uri="{9D8B030D-6E8A-4147-A177-3AD203B41FA5}">
-                      <a16:colId xmlns:a16="http://schemas.microsoft.com/office/drawing/2014/main" val="20002"/>
+                      <a16:colId xmlns:a16="http://schemas.microsoft.com/office/drawing/2014/main" xmlns="" val="20002"/>
                     </a:ext>
                   </a:extLst>
                 </a:gridCol>
                 <a:gridCol w="997610">
                   <a:extLst>
                     <a:ext uri="{9D8B030D-6E8A-4147-A177-3AD203B41FA5}">
-                      <a16:colId xmlns:a16="http://schemas.microsoft.com/office/drawing/2014/main" val="20003"/>
+                      <a16:colId xmlns:a16="http://schemas.microsoft.com/office/drawing/2014/main" xmlns="" val="20003"/>
                     </a:ext>
                   </a:extLst>
                 </a:gridCol>
@@ -9254,7 +9346,7 @@
                 </a:tc>
                 <a:extLst>
                   <a:ext uri="{0D108BD9-81ED-4DB2-BD59-A6C34878D82A}">
-                    <a16:rowId xmlns:a16="http://schemas.microsoft.com/office/drawing/2014/main" val="10000"/>
+                    <a16:rowId xmlns:a16="http://schemas.microsoft.com/office/drawing/2014/main" xmlns="" val="10000"/>
                   </a:ext>
                 </a:extLst>
               </a:tr>
@@ -9343,7 +9435,7 @@
                 </a:tc>
                 <a:extLst>
                   <a:ext uri="{0D108BD9-81ED-4DB2-BD59-A6C34878D82A}">
-                    <a16:rowId xmlns:a16="http://schemas.microsoft.com/office/drawing/2014/main" val="10001"/>
+                    <a16:rowId xmlns:a16="http://schemas.microsoft.com/office/drawing/2014/main" xmlns="" val="10001"/>
                   </a:ext>
                 </a:extLst>
               </a:tr>
@@ -9470,7 +9562,7 @@
                 </a:tc>
                 <a:extLst>
                   <a:ext uri="{0D108BD9-81ED-4DB2-BD59-A6C34878D82A}">
-                    <a16:rowId xmlns:a16="http://schemas.microsoft.com/office/drawing/2014/main" val="10002"/>
+                    <a16:rowId xmlns:a16="http://schemas.microsoft.com/office/drawing/2014/main" xmlns="" val="10002"/>
                   </a:ext>
                 </a:extLst>
               </a:tr>
@@ -9580,7 +9672,7 @@
                 </a:tc>
                 <a:extLst>
                   <a:ext uri="{0D108BD9-81ED-4DB2-BD59-A6C34878D82A}">
-                    <a16:rowId xmlns:a16="http://schemas.microsoft.com/office/drawing/2014/main" val="10003"/>
+                    <a16:rowId xmlns:a16="http://schemas.microsoft.com/office/drawing/2014/main" xmlns="" val="10003"/>
                   </a:ext>
                 </a:extLst>
               </a:tr>
@@ -9696,7 +9788,7 @@
                 </a:tc>
                 <a:extLst>
                   <a:ext uri="{0D108BD9-81ED-4DB2-BD59-A6C34878D82A}">
-                    <a16:rowId xmlns:a16="http://schemas.microsoft.com/office/drawing/2014/main" val="10004"/>
+                    <a16:rowId xmlns:a16="http://schemas.microsoft.com/office/drawing/2014/main" xmlns="" val="10004"/>
                   </a:ext>
                 </a:extLst>
               </a:tr>
@@ -9711,7 +9803,7 @@
           <p:nvPr>
             <p:extLst>
               <p:ext uri="{D42A27DB-BD31-4B8C-83A1-F6EECF244321}">
-                <p14:modId xmlns:p14="http://schemas.microsoft.com/office/powerpoint/2010/main" val="2714519319"/>
+                <p14:modId xmlns:p14="http://schemas.microsoft.com/office/powerpoint/2010/main" xmlns="" val="2714519319"/>
               </p:ext>
             </p:extLst>
           </p:nvPr>
@@ -9731,14 +9823,14 @@
                 <a:gridCol w="2659380">
                   <a:extLst>
                     <a:ext uri="{9D8B030D-6E8A-4147-A177-3AD203B41FA5}">
-                      <a16:colId xmlns:a16="http://schemas.microsoft.com/office/drawing/2014/main" val="20000"/>
+                      <a16:colId xmlns:a16="http://schemas.microsoft.com/office/drawing/2014/main" xmlns="" val="20000"/>
                     </a:ext>
                   </a:extLst>
                 </a:gridCol>
                 <a:gridCol w="2659380">
                   <a:extLst>
                     <a:ext uri="{9D8B030D-6E8A-4147-A177-3AD203B41FA5}">
-                      <a16:colId xmlns:a16="http://schemas.microsoft.com/office/drawing/2014/main" val="20001"/>
+                      <a16:colId xmlns:a16="http://schemas.microsoft.com/office/drawing/2014/main" xmlns="" val="20001"/>
                     </a:ext>
                   </a:extLst>
                 </a:gridCol>
@@ -9808,7 +9900,7 @@
                 </a:tc>
                 <a:extLst>
                   <a:ext uri="{0D108BD9-81ED-4DB2-BD59-A6C34878D82A}">
-                    <a16:rowId xmlns:a16="http://schemas.microsoft.com/office/drawing/2014/main" val="10000"/>
+                    <a16:rowId xmlns:a16="http://schemas.microsoft.com/office/drawing/2014/main" xmlns="" val="10000"/>
                   </a:ext>
                 </a:extLst>
               </a:tr>
@@ -9877,7 +9969,7 @@
                 </a:tc>
                 <a:extLst>
                   <a:ext uri="{0D108BD9-81ED-4DB2-BD59-A6C34878D82A}">
-                    <a16:rowId xmlns:a16="http://schemas.microsoft.com/office/drawing/2014/main" val="10001"/>
+                    <a16:rowId xmlns:a16="http://schemas.microsoft.com/office/drawing/2014/main" xmlns="" val="10001"/>
                   </a:ext>
                 </a:extLst>
               </a:tr>
@@ -9946,7 +10038,7 @@
                 </a:tc>
                 <a:extLst>
                   <a:ext uri="{0D108BD9-81ED-4DB2-BD59-A6C34878D82A}">
-                    <a16:rowId xmlns:a16="http://schemas.microsoft.com/office/drawing/2014/main" val="10002"/>
+                    <a16:rowId xmlns:a16="http://schemas.microsoft.com/office/drawing/2014/main" xmlns="" val="10002"/>
                   </a:ext>
                 </a:extLst>
               </a:tr>
@@ -10015,7 +10107,7 @@
                 </a:tc>
                 <a:extLst>
                   <a:ext uri="{0D108BD9-81ED-4DB2-BD59-A6C34878D82A}">
-                    <a16:rowId xmlns:a16="http://schemas.microsoft.com/office/drawing/2014/main" val="10003"/>
+                    <a16:rowId xmlns:a16="http://schemas.microsoft.com/office/drawing/2014/main" xmlns="" val="10003"/>
                   </a:ext>
                 </a:extLst>
               </a:tr>
@@ -10084,7 +10176,7 @@
                 </a:tc>
                 <a:extLst>
                   <a:ext uri="{0D108BD9-81ED-4DB2-BD59-A6C34878D82A}">
-                    <a16:rowId xmlns:a16="http://schemas.microsoft.com/office/drawing/2014/main" val="10004"/>
+                    <a16:rowId xmlns:a16="http://schemas.microsoft.com/office/drawing/2014/main" xmlns="" val="10004"/>
                   </a:ext>
                 </a:extLst>
               </a:tr>
@@ -10166,7 +10258,7 @@
           <p:nvPr>
             <p:extLst>
               <p:ext uri="{D42A27DB-BD31-4B8C-83A1-F6EECF244321}">
-                <p14:modId xmlns:p14="http://schemas.microsoft.com/office/powerpoint/2010/main" val="24919419"/>
+                <p14:modId xmlns:p14="http://schemas.microsoft.com/office/powerpoint/2010/main" xmlns="" val="24919419"/>
               </p:ext>
             </p:extLst>
           </p:nvPr>
@@ -10186,21 +10278,21 @@
                 <a:gridCol w="2339930">
                   <a:extLst>
                     <a:ext uri="{9D8B030D-6E8A-4147-A177-3AD203B41FA5}">
-                      <a16:colId xmlns:a16="http://schemas.microsoft.com/office/drawing/2014/main" val="20000"/>
+                      <a16:colId xmlns:a16="http://schemas.microsoft.com/office/drawing/2014/main" xmlns="" val="20000"/>
                     </a:ext>
                   </a:extLst>
                 </a:gridCol>
                 <a:gridCol w="1968860">
                   <a:extLst>
                     <a:ext uri="{9D8B030D-6E8A-4147-A177-3AD203B41FA5}">
-                      <a16:colId xmlns:a16="http://schemas.microsoft.com/office/drawing/2014/main" val="20001"/>
+                      <a16:colId xmlns:a16="http://schemas.microsoft.com/office/drawing/2014/main" xmlns="" val="20001"/>
                     </a:ext>
                   </a:extLst>
                 </a:gridCol>
                 <a:gridCol w="2108000">
                   <a:extLst>
                     <a:ext uri="{9D8B030D-6E8A-4147-A177-3AD203B41FA5}">
-                      <a16:colId xmlns:a16="http://schemas.microsoft.com/office/drawing/2014/main" val="20002"/>
+                      <a16:colId xmlns:a16="http://schemas.microsoft.com/office/drawing/2014/main" xmlns="" val="20002"/>
                     </a:ext>
                   </a:extLst>
                 </a:gridCol>
@@ -10293,7 +10385,7 @@
                 </a:tc>
                 <a:extLst>
                   <a:ext uri="{0D108BD9-81ED-4DB2-BD59-A6C34878D82A}">
-                    <a16:rowId xmlns:a16="http://schemas.microsoft.com/office/drawing/2014/main" val="10000"/>
+                    <a16:rowId xmlns:a16="http://schemas.microsoft.com/office/drawing/2014/main" xmlns="" val="10000"/>
                   </a:ext>
                 </a:extLst>
               </a:tr>
@@ -10393,7 +10485,7 @@
                 </a:tc>
                 <a:extLst>
                   <a:ext uri="{0D108BD9-81ED-4DB2-BD59-A6C34878D82A}">
-                    <a16:rowId xmlns:a16="http://schemas.microsoft.com/office/drawing/2014/main" val="10001"/>
+                    <a16:rowId xmlns:a16="http://schemas.microsoft.com/office/drawing/2014/main" xmlns="" val="10001"/>
                   </a:ext>
                 </a:extLst>
               </a:tr>
@@ -10493,7 +10585,7 @@
                 </a:tc>
                 <a:extLst>
                   <a:ext uri="{0D108BD9-81ED-4DB2-BD59-A6C34878D82A}">
-                    <a16:rowId xmlns:a16="http://schemas.microsoft.com/office/drawing/2014/main" val="10002"/>
+                    <a16:rowId xmlns:a16="http://schemas.microsoft.com/office/drawing/2014/main" xmlns="" val="10002"/>
                   </a:ext>
                 </a:extLst>
               </a:tr>
@@ -10593,7 +10685,7 @@
                 </a:tc>
                 <a:extLst>
                   <a:ext uri="{0D108BD9-81ED-4DB2-BD59-A6C34878D82A}">
-                    <a16:rowId xmlns:a16="http://schemas.microsoft.com/office/drawing/2014/main" val="10003"/>
+                    <a16:rowId xmlns:a16="http://schemas.microsoft.com/office/drawing/2014/main" xmlns="" val="10003"/>
                   </a:ext>
                 </a:extLst>
               </a:tr>
@@ -10712,7 +10804,7 @@
                 </a:tc>
                 <a:extLst>
                   <a:ext uri="{0D108BD9-81ED-4DB2-BD59-A6C34878D82A}">
-                    <a16:rowId xmlns:a16="http://schemas.microsoft.com/office/drawing/2014/main" val="10004"/>
+                    <a16:rowId xmlns:a16="http://schemas.microsoft.com/office/drawing/2014/main" xmlns="" val="10004"/>
                   </a:ext>
                 </a:extLst>
               </a:tr>
@@ -10812,7 +10904,7 @@
                 </a:tc>
                 <a:extLst>
                   <a:ext uri="{0D108BD9-81ED-4DB2-BD59-A6C34878D82A}">
-                    <a16:rowId xmlns:a16="http://schemas.microsoft.com/office/drawing/2014/main" val="10005"/>
+                    <a16:rowId xmlns:a16="http://schemas.microsoft.com/office/drawing/2014/main" xmlns="" val="10005"/>
                   </a:ext>
                 </a:extLst>
               </a:tr>
@@ -11075,7 +11167,7 @@
           <p:nvPr>
             <p:extLst>
               <p:ext uri="{D42A27DB-BD31-4B8C-83A1-F6EECF244321}">
-                <p14:modId xmlns:p14="http://schemas.microsoft.com/office/powerpoint/2010/main" val="2505185347"/>
+                <p14:modId xmlns:p14="http://schemas.microsoft.com/office/powerpoint/2010/main" xmlns="" val="2505185347"/>
               </p:ext>
             </p:extLst>
           </p:nvPr>
@@ -11095,28 +11187,28 @@
                 <a:gridCol w="1045563">
                   <a:extLst>
                     <a:ext uri="{9D8B030D-6E8A-4147-A177-3AD203B41FA5}">
-                      <a16:colId xmlns:a16="http://schemas.microsoft.com/office/drawing/2014/main" val="20000"/>
+                      <a16:colId xmlns:a16="http://schemas.microsoft.com/office/drawing/2014/main" xmlns="" val="20000"/>
                     </a:ext>
                   </a:extLst>
                 </a:gridCol>
                 <a:gridCol w="1045563">
                   <a:extLst>
                     <a:ext uri="{9D8B030D-6E8A-4147-A177-3AD203B41FA5}">
-                      <a16:colId xmlns:a16="http://schemas.microsoft.com/office/drawing/2014/main" val="20001"/>
+                      <a16:colId xmlns:a16="http://schemas.microsoft.com/office/drawing/2014/main" xmlns="" val="20001"/>
                     </a:ext>
                   </a:extLst>
                 </a:gridCol>
                 <a:gridCol w="1045563">
                   <a:extLst>
                     <a:ext uri="{9D8B030D-6E8A-4147-A177-3AD203B41FA5}">
-                      <a16:colId xmlns:a16="http://schemas.microsoft.com/office/drawing/2014/main" val="20002"/>
+                      <a16:colId xmlns:a16="http://schemas.microsoft.com/office/drawing/2014/main" xmlns="" val="20002"/>
                     </a:ext>
                   </a:extLst>
                 </a:gridCol>
                 <a:gridCol w="1045563">
                   <a:extLst>
                     <a:ext uri="{9D8B030D-6E8A-4147-A177-3AD203B41FA5}">
-                      <a16:colId xmlns:a16="http://schemas.microsoft.com/office/drawing/2014/main" val="20003"/>
+                      <a16:colId xmlns:a16="http://schemas.microsoft.com/office/drawing/2014/main" xmlns="" val="20003"/>
                     </a:ext>
                   </a:extLst>
                 </a:gridCol>
@@ -11225,7 +11317,7 @@
                 </a:tc>
                 <a:extLst>
                   <a:ext uri="{0D108BD9-81ED-4DB2-BD59-A6C34878D82A}">
-                    <a16:rowId xmlns:a16="http://schemas.microsoft.com/office/drawing/2014/main" val="10000"/>
+                    <a16:rowId xmlns:a16="http://schemas.microsoft.com/office/drawing/2014/main" xmlns="" val="10000"/>
                   </a:ext>
                 </a:extLst>
               </a:tr>
@@ -11314,7 +11406,7 @@
                 </a:tc>
                 <a:extLst>
                   <a:ext uri="{0D108BD9-81ED-4DB2-BD59-A6C34878D82A}">
-                    <a16:rowId xmlns:a16="http://schemas.microsoft.com/office/drawing/2014/main" val="10001"/>
+                    <a16:rowId xmlns:a16="http://schemas.microsoft.com/office/drawing/2014/main" xmlns="" val="10001"/>
                   </a:ext>
                 </a:extLst>
               </a:tr>
@@ -11441,7 +11533,7 @@
                 </a:tc>
                 <a:extLst>
                   <a:ext uri="{0D108BD9-81ED-4DB2-BD59-A6C34878D82A}">
-                    <a16:rowId xmlns:a16="http://schemas.microsoft.com/office/drawing/2014/main" val="10002"/>
+                    <a16:rowId xmlns:a16="http://schemas.microsoft.com/office/drawing/2014/main" xmlns="" val="10002"/>
                   </a:ext>
                 </a:extLst>
               </a:tr>
@@ -11551,7 +11643,7 @@
                 </a:tc>
                 <a:extLst>
                   <a:ext uri="{0D108BD9-81ED-4DB2-BD59-A6C34878D82A}">
-                    <a16:rowId xmlns:a16="http://schemas.microsoft.com/office/drawing/2014/main" val="10003"/>
+                    <a16:rowId xmlns:a16="http://schemas.microsoft.com/office/drawing/2014/main" xmlns="" val="10003"/>
                   </a:ext>
                 </a:extLst>
               </a:tr>
@@ -11667,7 +11759,7 @@
                 </a:tc>
                 <a:extLst>
                   <a:ext uri="{0D108BD9-81ED-4DB2-BD59-A6C34878D82A}">
-                    <a16:rowId xmlns:a16="http://schemas.microsoft.com/office/drawing/2014/main" val="10004"/>
+                    <a16:rowId xmlns:a16="http://schemas.microsoft.com/office/drawing/2014/main" xmlns="" val="10004"/>
                   </a:ext>
                 </a:extLst>
               </a:tr>
@@ -11682,7 +11774,7 @@
           <p:nvPr>
             <p:extLst>
               <p:ext uri="{D42A27DB-BD31-4B8C-83A1-F6EECF244321}">
-                <p14:modId xmlns:p14="http://schemas.microsoft.com/office/powerpoint/2010/main" val="3685257331"/>
+                <p14:modId xmlns:p14="http://schemas.microsoft.com/office/powerpoint/2010/main" xmlns="" val="3685257331"/>
               </p:ext>
             </p:extLst>
           </p:nvPr>
@@ -11702,14 +11794,14 @@
                 <a:gridCol w="2720340">
                   <a:extLst>
                     <a:ext uri="{9D8B030D-6E8A-4147-A177-3AD203B41FA5}">
-                      <a16:colId xmlns:a16="http://schemas.microsoft.com/office/drawing/2014/main" val="20000"/>
+                      <a16:colId xmlns:a16="http://schemas.microsoft.com/office/drawing/2014/main" xmlns="" val="20000"/>
                     </a:ext>
                   </a:extLst>
                 </a:gridCol>
                 <a:gridCol w="2720340">
                   <a:extLst>
                     <a:ext uri="{9D8B030D-6E8A-4147-A177-3AD203B41FA5}">
-                      <a16:colId xmlns:a16="http://schemas.microsoft.com/office/drawing/2014/main" val="20001"/>
+                      <a16:colId xmlns:a16="http://schemas.microsoft.com/office/drawing/2014/main" xmlns="" val="20001"/>
                     </a:ext>
                   </a:extLst>
                 </a:gridCol>
@@ -11779,7 +11871,7 @@
                 </a:tc>
                 <a:extLst>
                   <a:ext uri="{0D108BD9-81ED-4DB2-BD59-A6C34878D82A}">
-                    <a16:rowId xmlns:a16="http://schemas.microsoft.com/office/drawing/2014/main" val="10000"/>
+                    <a16:rowId xmlns:a16="http://schemas.microsoft.com/office/drawing/2014/main" xmlns="" val="10000"/>
                   </a:ext>
                 </a:extLst>
               </a:tr>
@@ -11848,7 +11940,7 @@
                 </a:tc>
                 <a:extLst>
                   <a:ext uri="{0D108BD9-81ED-4DB2-BD59-A6C34878D82A}">
-                    <a16:rowId xmlns:a16="http://schemas.microsoft.com/office/drawing/2014/main" val="10001"/>
+                    <a16:rowId xmlns:a16="http://schemas.microsoft.com/office/drawing/2014/main" xmlns="" val="10001"/>
                   </a:ext>
                 </a:extLst>
               </a:tr>
@@ -11925,7 +12017,7 @@
                 </a:tc>
                 <a:extLst>
                   <a:ext uri="{0D108BD9-81ED-4DB2-BD59-A6C34878D82A}">
-                    <a16:rowId xmlns:a16="http://schemas.microsoft.com/office/drawing/2014/main" val="10002"/>
+                    <a16:rowId xmlns:a16="http://schemas.microsoft.com/office/drawing/2014/main" xmlns="" val="10002"/>
                   </a:ext>
                 </a:extLst>
               </a:tr>
@@ -11994,7 +12086,7 @@
                 </a:tc>
                 <a:extLst>
                   <a:ext uri="{0D108BD9-81ED-4DB2-BD59-A6C34878D82A}">
-                    <a16:rowId xmlns:a16="http://schemas.microsoft.com/office/drawing/2014/main" val="10003"/>
+                    <a16:rowId xmlns:a16="http://schemas.microsoft.com/office/drawing/2014/main" xmlns="" val="10003"/>
                   </a:ext>
                 </a:extLst>
               </a:tr>
@@ -12009,7 +12101,7 @@
           <p:nvPr>
             <p:extLst>
               <p:ext uri="{D42A27DB-BD31-4B8C-83A1-F6EECF244321}">
-                <p14:modId xmlns:p14="http://schemas.microsoft.com/office/powerpoint/2010/main" val="926742503"/>
+                <p14:modId xmlns:p14="http://schemas.microsoft.com/office/powerpoint/2010/main" xmlns="" val="926742503"/>
               </p:ext>
             </p:extLst>
           </p:nvPr>
@@ -12029,28 +12121,28 @@
                 <a:gridCol w="1016989">
                   <a:extLst>
                     <a:ext uri="{9D8B030D-6E8A-4147-A177-3AD203B41FA5}">
-                      <a16:colId xmlns:a16="http://schemas.microsoft.com/office/drawing/2014/main" val="20000"/>
+                      <a16:colId xmlns:a16="http://schemas.microsoft.com/office/drawing/2014/main" xmlns="" val="20000"/>
                     </a:ext>
                   </a:extLst>
                 </a:gridCol>
                 <a:gridCol w="1016989">
                   <a:extLst>
                     <a:ext uri="{9D8B030D-6E8A-4147-A177-3AD203B41FA5}">
-                      <a16:colId xmlns:a16="http://schemas.microsoft.com/office/drawing/2014/main" val="20001"/>
+                      <a16:colId xmlns:a16="http://schemas.microsoft.com/office/drawing/2014/main" xmlns="" val="20001"/>
                     </a:ext>
                   </a:extLst>
                 </a:gridCol>
                 <a:gridCol w="1016989">
                   <a:extLst>
                     <a:ext uri="{9D8B030D-6E8A-4147-A177-3AD203B41FA5}">
-                      <a16:colId xmlns:a16="http://schemas.microsoft.com/office/drawing/2014/main" val="20002"/>
+                      <a16:colId xmlns:a16="http://schemas.microsoft.com/office/drawing/2014/main" xmlns="" val="20002"/>
                     </a:ext>
                   </a:extLst>
                 </a:gridCol>
                 <a:gridCol w="1016989">
                   <a:extLst>
                     <a:ext uri="{9D8B030D-6E8A-4147-A177-3AD203B41FA5}">
-                      <a16:colId xmlns:a16="http://schemas.microsoft.com/office/drawing/2014/main" val="20003"/>
+                      <a16:colId xmlns:a16="http://schemas.microsoft.com/office/drawing/2014/main" xmlns="" val="20003"/>
                     </a:ext>
                   </a:extLst>
                 </a:gridCol>
@@ -12159,7 +12251,7 @@
                 </a:tc>
                 <a:extLst>
                   <a:ext uri="{0D108BD9-81ED-4DB2-BD59-A6C34878D82A}">
-                    <a16:rowId xmlns:a16="http://schemas.microsoft.com/office/drawing/2014/main" val="10000"/>
+                    <a16:rowId xmlns:a16="http://schemas.microsoft.com/office/drawing/2014/main" xmlns="" val="10000"/>
                   </a:ext>
                 </a:extLst>
               </a:tr>
@@ -12248,7 +12340,7 @@
                 </a:tc>
                 <a:extLst>
                   <a:ext uri="{0D108BD9-81ED-4DB2-BD59-A6C34878D82A}">
-                    <a16:rowId xmlns:a16="http://schemas.microsoft.com/office/drawing/2014/main" val="10001"/>
+                    <a16:rowId xmlns:a16="http://schemas.microsoft.com/office/drawing/2014/main" xmlns="" val="10001"/>
                   </a:ext>
                 </a:extLst>
               </a:tr>
@@ -12375,7 +12467,7 @@
                 </a:tc>
                 <a:extLst>
                   <a:ext uri="{0D108BD9-81ED-4DB2-BD59-A6C34878D82A}">
-                    <a16:rowId xmlns:a16="http://schemas.microsoft.com/office/drawing/2014/main" val="10002"/>
+                    <a16:rowId xmlns:a16="http://schemas.microsoft.com/office/drawing/2014/main" xmlns="" val="10002"/>
                   </a:ext>
                 </a:extLst>
               </a:tr>
@@ -12485,7 +12577,7 @@
                 </a:tc>
                 <a:extLst>
                   <a:ext uri="{0D108BD9-81ED-4DB2-BD59-A6C34878D82A}">
-                    <a16:rowId xmlns:a16="http://schemas.microsoft.com/office/drawing/2014/main" val="10003"/>
+                    <a16:rowId xmlns:a16="http://schemas.microsoft.com/office/drawing/2014/main" xmlns="" val="10003"/>
                   </a:ext>
                 </a:extLst>
               </a:tr>
@@ -12601,7 +12693,7 @@
                 </a:tc>
                 <a:extLst>
                   <a:ext uri="{0D108BD9-81ED-4DB2-BD59-A6C34878D82A}">
-                    <a16:rowId xmlns:a16="http://schemas.microsoft.com/office/drawing/2014/main" val="10004"/>
+                    <a16:rowId xmlns:a16="http://schemas.microsoft.com/office/drawing/2014/main" xmlns="" val="10004"/>
                   </a:ext>
                 </a:extLst>
               </a:tr>
@@ -12683,7 +12775,7 @@
           <p:nvPr>
             <p:extLst>
               <p:ext uri="{D42A27DB-BD31-4B8C-83A1-F6EECF244321}">
-                <p14:modId xmlns:p14="http://schemas.microsoft.com/office/powerpoint/2010/main" val="4159389511"/>
+                <p14:modId xmlns:p14="http://schemas.microsoft.com/office/powerpoint/2010/main" xmlns="" val="4159389511"/>
               </p:ext>
             </p:extLst>
           </p:nvPr>
@@ -12703,21 +12795,21 @@
                 <a:gridCol w="2364939">
                   <a:extLst>
                     <a:ext uri="{9D8B030D-6E8A-4147-A177-3AD203B41FA5}">
-                      <a16:colId xmlns:a16="http://schemas.microsoft.com/office/drawing/2014/main" val="20000"/>
+                      <a16:colId xmlns:a16="http://schemas.microsoft.com/office/drawing/2014/main" xmlns="" val="20000"/>
                     </a:ext>
                   </a:extLst>
                 </a:gridCol>
                 <a:gridCol w="1989902">
                   <a:extLst>
                     <a:ext uri="{9D8B030D-6E8A-4147-A177-3AD203B41FA5}">
-                      <a16:colId xmlns:a16="http://schemas.microsoft.com/office/drawing/2014/main" val="20001"/>
+                      <a16:colId xmlns:a16="http://schemas.microsoft.com/office/drawing/2014/main" xmlns="" val="20001"/>
                     </a:ext>
                   </a:extLst>
                 </a:gridCol>
                 <a:gridCol w="2130529">
                   <a:extLst>
                     <a:ext uri="{9D8B030D-6E8A-4147-A177-3AD203B41FA5}">
-                      <a16:colId xmlns:a16="http://schemas.microsoft.com/office/drawing/2014/main" val="20002"/>
+                      <a16:colId xmlns:a16="http://schemas.microsoft.com/office/drawing/2014/main" xmlns="" val="20002"/>
                     </a:ext>
                   </a:extLst>
                 </a:gridCol>
@@ -12810,7 +12902,7 @@
                 </a:tc>
                 <a:extLst>
                   <a:ext uri="{0D108BD9-81ED-4DB2-BD59-A6C34878D82A}">
-                    <a16:rowId xmlns:a16="http://schemas.microsoft.com/office/drawing/2014/main" val="10000"/>
+                    <a16:rowId xmlns:a16="http://schemas.microsoft.com/office/drawing/2014/main" xmlns="" val="10000"/>
                   </a:ext>
                 </a:extLst>
               </a:tr>
@@ -12910,7 +13002,7 @@
                 </a:tc>
                 <a:extLst>
                   <a:ext uri="{0D108BD9-81ED-4DB2-BD59-A6C34878D82A}">
-                    <a16:rowId xmlns:a16="http://schemas.microsoft.com/office/drawing/2014/main" val="10001"/>
+                    <a16:rowId xmlns:a16="http://schemas.microsoft.com/office/drawing/2014/main" xmlns="" val="10001"/>
                   </a:ext>
                 </a:extLst>
               </a:tr>
@@ -13010,7 +13102,7 @@
                 </a:tc>
                 <a:extLst>
                   <a:ext uri="{0D108BD9-81ED-4DB2-BD59-A6C34878D82A}">
-                    <a16:rowId xmlns:a16="http://schemas.microsoft.com/office/drawing/2014/main" val="10002"/>
+                    <a16:rowId xmlns:a16="http://schemas.microsoft.com/office/drawing/2014/main" xmlns="" val="10002"/>
                   </a:ext>
                 </a:extLst>
               </a:tr>
@@ -13110,7 +13202,7 @@
                 </a:tc>
                 <a:extLst>
                   <a:ext uri="{0D108BD9-81ED-4DB2-BD59-A6C34878D82A}">
-                    <a16:rowId xmlns:a16="http://schemas.microsoft.com/office/drawing/2014/main" val="10003"/>
+                    <a16:rowId xmlns:a16="http://schemas.microsoft.com/office/drawing/2014/main" xmlns="" val="10003"/>
                   </a:ext>
                 </a:extLst>
               </a:tr>
@@ -13229,7 +13321,7 @@
                 </a:tc>
                 <a:extLst>
                   <a:ext uri="{0D108BD9-81ED-4DB2-BD59-A6C34878D82A}">
-                    <a16:rowId xmlns:a16="http://schemas.microsoft.com/office/drawing/2014/main" val="10004"/>
+                    <a16:rowId xmlns:a16="http://schemas.microsoft.com/office/drawing/2014/main" xmlns="" val="10004"/>
                   </a:ext>
                 </a:extLst>
               </a:tr>
@@ -13329,7 +13421,7 @@
                 </a:tc>
                 <a:extLst>
                   <a:ext uri="{0D108BD9-81ED-4DB2-BD59-A6C34878D82A}">
-                    <a16:rowId xmlns:a16="http://schemas.microsoft.com/office/drawing/2014/main" val="10005"/>
+                    <a16:rowId xmlns:a16="http://schemas.microsoft.com/office/drawing/2014/main" xmlns="" val="10005"/>
                   </a:ext>
                 </a:extLst>
               </a:tr>
